--- a/relazione/Schemi a stati finiti/RR/schema a stati finiti RR.pptx
+++ b/relazione/Schemi a stati finiti/RR/schema a stati finiti RR.pptx
@@ -259,7 +259,7 @@
           <a:p>
             <a:fld id="{C45B7B38-F52F-465B-8C79-366D197ECC43}" type="datetimeFigureOut">
               <a:rPr lang="it-IT" smtClean="0"/>
-              <a:t>16/11/2020</a:t>
+              <a:t>30/11/2020</a:t>
             </a:fld>
             <a:endParaRPr lang="it-IT"/>
           </a:p>
@@ -457,7 +457,7 @@
           <a:p>
             <a:fld id="{C45B7B38-F52F-465B-8C79-366D197ECC43}" type="datetimeFigureOut">
               <a:rPr lang="it-IT" smtClean="0"/>
-              <a:t>16/11/2020</a:t>
+              <a:t>30/11/2020</a:t>
             </a:fld>
             <a:endParaRPr lang="it-IT"/>
           </a:p>
@@ -665,7 +665,7 @@
           <a:p>
             <a:fld id="{C45B7B38-F52F-465B-8C79-366D197ECC43}" type="datetimeFigureOut">
               <a:rPr lang="it-IT" smtClean="0"/>
-              <a:t>16/11/2020</a:t>
+              <a:t>30/11/2020</a:t>
             </a:fld>
             <a:endParaRPr lang="it-IT"/>
           </a:p>
@@ -863,7 +863,7 @@
           <a:p>
             <a:fld id="{C45B7B38-F52F-465B-8C79-366D197ECC43}" type="datetimeFigureOut">
               <a:rPr lang="it-IT" smtClean="0"/>
-              <a:t>16/11/2020</a:t>
+              <a:t>30/11/2020</a:t>
             </a:fld>
             <a:endParaRPr lang="it-IT"/>
           </a:p>
@@ -1138,7 +1138,7 @@
           <a:p>
             <a:fld id="{C45B7B38-F52F-465B-8C79-366D197ECC43}" type="datetimeFigureOut">
               <a:rPr lang="it-IT" smtClean="0"/>
-              <a:t>16/11/2020</a:t>
+              <a:t>30/11/2020</a:t>
             </a:fld>
             <a:endParaRPr lang="it-IT"/>
           </a:p>
@@ -1403,7 +1403,7 @@
           <a:p>
             <a:fld id="{C45B7B38-F52F-465B-8C79-366D197ECC43}" type="datetimeFigureOut">
               <a:rPr lang="it-IT" smtClean="0"/>
-              <a:t>16/11/2020</a:t>
+              <a:t>30/11/2020</a:t>
             </a:fld>
             <a:endParaRPr lang="it-IT"/>
           </a:p>
@@ -1815,7 +1815,7 @@
           <a:p>
             <a:fld id="{C45B7B38-F52F-465B-8C79-366D197ECC43}" type="datetimeFigureOut">
               <a:rPr lang="it-IT" smtClean="0"/>
-              <a:t>16/11/2020</a:t>
+              <a:t>30/11/2020</a:t>
             </a:fld>
             <a:endParaRPr lang="it-IT"/>
           </a:p>
@@ -1956,7 +1956,7 @@
           <a:p>
             <a:fld id="{C45B7B38-F52F-465B-8C79-366D197ECC43}" type="datetimeFigureOut">
               <a:rPr lang="it-IT" smtClean="0"/>
-              <a:t>16/11/2020</a:t>
+              <a:t>30/11/2020</a:t>
             </a:fld>
             <a:endParaRPr lang="it-IT"/>
           </a:p>
@@ -2069,7 +2069,7 @@
           <a:p>
             <a:fld id="{C45B7B38-F52F-465B-8C79-366D197ECC43}" type="datetimeFigureOut">
               <a:rPr lang="it-IT" smtClean="0"/>
-              <a:t>16/11/2020</a:t>
+              <a:t>30/11/2020</a:t>
             </a:fld>
             <a:endParaRPr lang="it-IT"/>
           </a:p>
@@ -2380,7 +2380,7 @@
           <a:p>
             <a:fld id="{C45B7B38-F52F-465B-8C79-366D197ECC43}" type="datetimeFigureOut">
               <a:rPr lang="it-IT" smtClean="0"/>
-              <a:t>16/11/2020</a:t>
+              <a:t>30/11/2020</a:t>
             </a:fld>
             <a:endParaRPr lang="it-IT"/>
           </a:p>
@@ -2668,7 +2668,7 @@
           <a:p>
             <a:fld id="{C45B7B38-F52F-465B-8C79-366D197ECC43}" type="datetimeFigureOut">
               <a:rPr lang="it-IT" smtClean="0"/>
-              <a:t>16/11/2020</a:t>
+              <a:t>30/11/2020</a:t>
             </a:fld>
             <a:endParaRPr lang="it-IT"/>
           </a:p>
@@ -2909,7 +2909,7 @@
           <a:p>
             <a:fld id="{C45B7B38-F52F-465B-8C79-366D197ECC43}" type="datetimeFigureOut">
               <a:rPr lang="it-IT" smtClean="0"/>
-              <a:t>16/11/2020</a:t>
+              <a:t>30/11/2020</a:t>
             </a:fld>
             <a:endParaRPr lang="it-IT"/>
           </a:p>
@@ -4192,8 +4192,8 @@
         </p:nvSpPr>
         <p:spPr>
           <a:xfrm>
-            <a:off x="470492" y="2445487"/>
-            <a:ext cx="1552353" cy="276999"/>
+            <a:off x="409354" y="2171520"/>
+            <a:ext cx="1552353" cy="523220"/>
           </a:xfrm>
           <a:prstGeom prst="rect">
             <a:avLst/>
@@ -4207,11 +4207,11 @@
           <a:lstStyle/>
           <a:p>
             <a:r>
-              <a:rPr lang="it-IT" sz="1200" dirty="0" err="1"/>
+              <a:rPr lang="it-IT" sz="1400" b="1" dirty="0" err="1"/>
               <a:t>time_arrive</a:t>
             </a:r>
             <a:r>
-              <a:rPr lang="it-IT" sz="1200" dirty="0"/>
+              <a:rPr lang="it-IT" sz="1400" b="1" dirty="0"/>
               <a:t> == timing</a:t>
             </a:r>
           </a:p>
@@ -4232,7 +4232,7 @@
         <p:spPr>
           <a:xfrm>
             <a:off x="4275635" y="2492781"/>
-            <a:ext cx="2219549" cy="276999"/>
+            <a:ext cx="2404464" cy="307777"/>
           </a:xfrm>
           <a:prstGeom prst="rect">
             <a:avLst/>
@@ -4246,7 +4246,7 @@
           <a:lstStyle/>
           <a:p>
             <a:r>
-              <a:rPr lang="it-IT" sz="1200" dirty="0"/>
+              <a:rPr lang="it-IT" sz="1400" b="1" dirty="0"/>
               <a:t>count_is_running &lt; num_core</a:t>
             </a:r>
           </a:p>
@@ -4266,8 +4266,8 @@
         </p:nvSpPr>
         <p:spPr>
           <a:xfrm>
-            <a:off x="1487441" y="4098501"/>
-            <a:ext cx="2219549" cy="276999"/>
+            <a:off x="1782281" y="3995940"/>
+            <a:ext cx="2219549" cy="523220"/>
           </a:xfrm>
           <a:prstGeom prst="rect">
             <a:avLst/>
@@ -4281,7 +4281,7 @@
           <a:lstStyle/>
           <a:p>
             <a:r>
-              <a:rPr lang="it-IT" sz="1200" dirty="0"/>
+              <a:rPr lang="it-IT" sz="1400" b="1" dirty="0"/>
               <a:t>count_is_running &gt;= num_core</a:t>
             </a:r>
           </a:p>
@@ -4302,7 +4302,7 @@
         <p:spPr>
           <a:xfrm>
             <a:off x="4667714" y="3391234"/>
-            <a:ext cx="2094615" cy="553998"/>
+            <a:ext cx="2094615" cy="800219"/>
           </a:xfrm>
           <a:prstGeom prst="rect">
             <a:avLst/>
@@ -4316,7 +4316,7 @@
           <a:lstStyle/>
           <a:p>
             <a:r>
-              <a:rPr lang="it-IT" sz="1200" dirty="0"/>
+              <a:rPr lang="it-IT" sz="1400" b="1" dirty="0"/>
               <a:t>count_is_running &lt; num_core</a:t>
             </a:r>
           </a:p>
@@ -4340,7 +4340,7 @@
         <p:spPr>
           <a:xfrm>
             <a:off x="7110524" y="1317033"/>
-            <a:ext cx="1052623" cy="276999"/>
+            <a:ext cx="1225401" cy="307777"/>
           </a:xfrm>
           <a:prstGeom prst="rect">
             <a:avLst/>
@@ -4354,7 +4354,7 @@
           <a:lstStyle/>
           <a:p>
             <a:r>
-              <a:rPr lang="it-IT" sz="1200" dirty="0"/>
+              <a:rPr lang="it-IT" sz="1400" b="1" dirty="0"/>
               <a:t>duration == 0</a:t>
             </a:r>
           </a:p>
@@ -4374,8 +4374,8 @@
         </p:nvSpPr>
         <p:spPr>
           <a:xfrm>
-            <a:off x="2591687" y="763460"/>
-            <a:ext cx="1913859" cy="461665"/>
+            <a:off x="2506647" y="619355"/>
+            <a:ext cx="1913859" cy="523220"/>
           </a:xfrm>
           <a:prstGeom prst="rect">
             <a:avLst/>
@@ -4389,7 +4389,7 @@
           <a:lstStyle/>
           <a:p>
             <a:r>
-              <a:rPr lang="it-IT" sz="1200" dirty="0"/>
+              <a:rPr lang="it-IT" sz="1400" b="1" dirty="0"/>
               <a:t>duration &gt; 0  &amp;&amp;  time_arriving == timing</a:t>
             </a:r>
           </a:p>
@@ -4410,7 +4410,7 @@
         <p:spPr>
           <a:xfrm>
             <a:off x="9119190" y="2552731"/>
-            <a:ext cx="3072810" cy="461665"/>
+            <a:ext cx="3072810" cy="738664"/>
           </a:xfrm>
           <a:prstGeom prst="rect">
             <a:avLst/>
@@ -4424,31 +4424,31 @@
           <a:lstStyle/>
           <a:p>
             <a:r>
-              <a:rPr lang="it-IT" sz="1200" dirty="0"/>
+              <a:rPr lang="it-IT" sz="1400" b="1" dirty="0"/>
               <a:t>duration == 0  &amp;&amp;  timing &gt;= </a:t>
             </a:r>
             <a:r>
-              <a:rPr lang="it-IT" sz="1200" dirty="0" err="1"/>
+              <a:rPr lang="it-IT" sz="1400" b="1" dirty="0" err="1"/>
               <a:t>max_time</a:t>
             </a:r>
             <a:r>
-              <a:rPr lang="it-IT" sz="1200" dirty="0"/>
+              <a:rPr lang="it-IT" sz="1400" b="1" dirty="0"/>
               <a:t>  &amp;&amp;  </a:t>
             </a:r>
             <a:r>
-              <a:rPr lang="it-IT" sz="1200" dirty="0" err="1"/>
+              <a:rPr lang="it-IT" sz="1400" b="1" dirty="0" err="1"/>
               <a:t>count</a:t>
             </a:r>
             <a:r>
-              <a:rPr lang="it-IT" sz="1200" dirty="0"/>
+              <a:rPr lang="it-IT" sz="1400" b="1" dirty="0"/>
               <a:t>(</a:t>
             </a:r>
             <a:r>
-              <a:rPr lang="it-IT" sz="1200" dirty="0" err="1"/>
+              <a:rPr lang="it-IT" sz="1400" b="1" dirty="0" err="1"/>
               <a:t>not_state</a:t>
             </a:r>
             <a:r>
-              <a:rPr lang="it-IT" sz="1200" dirty="0"/>
+              <a:rPr lang="it-IT" sz="1400" b="1" dirty="0"/>
               <a:t>, ready, running, waiting) == 0</a:t>
             </a:r>
           </a:p>
@@ -4469,7 +4469,7 @@
         <p:spPr>
           <a:xfrm>
             <a:off x="7394964" y="4104102"/>
-            <a:ext cx="1201479" cy="276999"/>
+            <a:ext cx="1313101" cy="307777"/>
           </a:xfrm>
           <a:prstGeom prst="rect">
             <a:avLst/>
@@ -4483,11 +4483,11 @@
           <a:lstStyle/>
           <a:p>
             <a:r>
-              <a:rPr lang="it-IT" sz="1200" dirty="0" err="1"/>
+              <a:rPr lang="it-IT" sz="1400" b="1" dirty="0" err="1"/>
               <a:t>core_time</a:t>
             </a:r>
             <a:r>
-              <a:rPr lang="it-IT" sz="1200" dirty="0"/>
+              <a:rPr lang="it-IT" sz="1400" b="1" dirty="0"/>
               <a:t> == 0</a:t>
             </a:r>
           </a:p>
